--- a/presentation/CSE564 presentation.pptx
+++ b/presentation/CSE564 presentation.pptx
@@ -1795,7 +1795,7 @@
   <p:cSld>
     <p:spTree>
       <p:nvGrpSpPr>
-        <p:cNvPr id="279" name="Shape 279"/>
+        <p:cNvPr id="280" name="Shape 280"/>
         <p:cNvGrpSpPr/>
         <p:nvPr/>
       </p:nvGrpSpPr>
@@ -1809,7 +1809,7 @@
       </p:grpSpPr>
       <p:sp>
         <p:nvSpPr>
-          <p:cNvPr id="280" name="Shape 280"/>
+          <p:cNvPr id="281" name="Shape 281"/>
           <p:cNvSpPr/>
           <p:nvPr>
             <p:ph idx="2" type="sldImg"/>
@@ -1843,7 +1843,7 @@
       </p:sp>
       <p:sp>
         <p:nvSpPr>
-          <p:cNvPr id="281" name="Shape 281"/>
+          <p:cNvPr id="282" name="Shape 282"/>
           <p:cNvSpPr txBox="1"/>
           <p:nvPr>
             <p:ph idx="1" type="body"/>
@@ -1890,7 +1890,7 @@
   <p:cSld>
     <p:spTree>
       <p:nvGrpSpPr>
-        <p:cNvPr id="286" name="Shape 286"/>
+        <p:cNvPr id="287" name="Shape 287"/>
         <p:cNvGrpSpPr/>
         <p:nvPr/>
       </p:nvGrpSpPr>
@@ -1904,7 +1904,7 @@
       </p:grpSpPr>
       <p:sp>
         <p:nvSpPr>
-          <p:cNvPr id="287" name="Shape 287"/>
+          <p:cNvPr id="288" name="Shape 288"/>
           <p:cNvSpPr/>
           <p:nvPr>
             <p:ph idx="2" type="sldImg"/>
@@ -1938,7 +1938,7 @@
       </p:sp>
       <p:sp>
         <p:nvSpPr>
-          <p:cNvPr id="288" name="Shape 288"/>
+          <p:cNvPr id="289" name="Shape 289"/>
           <p:cNvSpPr txBox="1"/>
           <p:nvPr>
             <p:ph idx="1" type="body"/>
@@ -6074,7 +6074,7 @@
         </p:nvSpPr>
         <p:spPr>
           <a:xfrm>
-            <a:off x="387900" y="2769300"/>
+            <a:off x="384875" y="2403325"/>
             <a:ext cx="8520600" cy="1477200"/>
           </a:xfrm>
           <a:prstGeom prst="rect">
@@ -6147,15 +6147,51 @@
             <a:endParaRPr/>
           </a:p>
           <a:p>
-            <a:pPr lvl="0">
-              <a:spcBef>
-                <a:spcPts val="0"/>
-              </a:spcBef>
-              <a:buNone/>
-            </a:pPr>
-            <a:r>
-              <a:rPr lang="en"/>
+            <a:pPr lvl="0" rtl="0">
+              <a:spcBef>
+                <a:spcPts val="0"/>
+              </a:spcBef>
+              <a:buNone/>
+            </a:pPr>
+            <a:r>
+              <a:rPr lang="en" sz="2400"/>
               <a:t>Chandrakana Nandi, Jeanette Daum</a:t>
+            </a:r>
+          </a:p>
+          <a:p>
+            <a:pPr lvl="0" rtl="0">
+              <a:spcBef>
+                <a:spcPts val="0"/>
+              </a:spcBef>
+              <a:buNone/>
+            </a:pPr>
+            <a:r>
+              <a:rPr lang="en" sz="2400"/>
+              <a:t>Collaborator: Michael Ernst</a:t>
+            </a:r>
+          </a:p>
+          <a:p>
+            <a:pPr lvl="0" rtl="0" algn="l">
+              <a:spcBef>
+                <a:spcPts val="0"/>
+              </a:spcBef>
+              <a:buNone/>
+            </a:pPr>
+            <a:r>
+              <a:rPr lang="en" sz="2400"/>
+              <a:t>              </a:t>
+            </a:r>
+          </a:p>
+          <a:p>
+            <a:pPr lvl="0" algn="l">
+              <a:spcBef>
+                <a:spcPts val="0"/>
+              </a:spcBef>
+              <a:buNone/>
+            </a:pPr>
+            <a:r>
+              <a:rPr lang="en" sz="2400"/>
+              <a:t>                                 </a:t>
             </a:r>
           </a:p>
         </p:txBody>
@@ -6176,8 +6212,8 @@
         </p:blipFill>
         <p:spPr>
           <a:xfrm>
-            <a:off x="352700" y="1823785"/>
-            <a:ext cx="2119726" cy="2084775"/>
+            <a:off x="279525" y="1542126"/>
+            <a:ext cx="1756600" cy="1727625"/>
           </a:xfrm>
           <a:prstGeom prst="rect">
             <a:avLst/>
@@ -11612,7 +11648,7 @@
             <a:tbl>
               <a:tblPr>
                 <a:noFill/>
-                <a:tableStyleId>{B5B9700B-BCA1-4083-8C81-742F308E33D8}</a:tableStyleId>
+                <a:tableStyleId>{7ABA6A56-3256-4E68-9813-0F87CA15B79A}</a:tableStyleId>
               </a:tblPr>
               <a:tblGrid>
                 <a:gridCol w="4622225"/>
@@ -12939,7 +12975,7 @@
             </a:r>
           </a:p>
           <a:p>
-            <a:pPr indent="-228600" lvl="0" marL="457200">
+            <a:pPr indent="-228600" lvl="0" marL="457200" rtl="0">
               <a:spcBef>
                 <a:spcPts val="0"/>
               </a:spcBef>
@@ -12948,6 +12984,30 @@
             <a:r>
               <a:rPr lang="en"/>
               <a:t>Laundry machine</a:t>
+            </a:r>
+          </a:p>
+          <a:p>
+            <a:pPr lvl="0" rtl="0">
+              <a:spcBef>
+                <a:spcPts val="0"/>
+              </a:spcBef>
+              <a:buNone/>
+            </a:pPr>
+            <a:r>
+              <a:t/>
+            </a:r>
+            <a:endParaRPr/>
+          </a:p>
+          <a:p>
+            <a:pPr lvl="0">
+              <a:spcBef>
+                <a:spcPts val="0"/>
+              </a:spcBef>
+              <a:buNone/>
+            </a:pPr>
+            <a:r>
+              <a:rPr lang="en"/>
+              <a:t>14 evil and 3 good controllers</a:t>
             </a:r>
           </a:p>
         </p:txBody>
@@ -13003,7 +13063,7 @@
           </a:bodyPr>
           <a:lstStyle/>
           <a:p>
-            <a:pPr indent="457200" lvl="0">
+            <a:pPr lvl="0">
               <a:spcBef>
                 <a:spcPts val="0"/>
               </a:spcBef>
@@ -13011,7 +13071,7 @@
             </a:pPr>
             <a:r>
               <a:rPr lang="en"/>
-              <a:t>Conclusions 			    &amp; 		   Future work</a:t>
+              <a:t>Related work on security for smart homes</a:t>
             </a:r>
           </a:p>
         </p:txBody>
@@ -13026,8 +13086,8 @@
         </p:nvSpPr>
         <p:spPr>
           <a:xfrm>
-            <a:off x="235500" y="1152475"/>
-            <a:ext cx="4366200" cy="3416400"/>
+            <a:off x="194400" y="1115175"/>
+            <a:ext cx="8637900" cy="1593000"/>
           </a:xfrm>
           <a:prstGeom prst="rect">
             <a:avLst/>
@@ -13039,19 +13099,19 @@
           </a:bodyPr>
           <a:lstStyle/>
           <a:p>
-            <a:pPr lvl="0" rtl="0" algn="just">
-              <a:spcBef>
-                <a:spcPts val="0"/>
-              </a:spcBef>
-              <a:buNone/>
+            <a:pPr indent="-228600" lvl="0" marL="457200" rtl="0">
+              <a:spcBef>
+                <a:spcPts val="0"/>
+              </a:spcBef>
+              <a:buChar char="❏"/>
             </a:pPr>
             <a:r>
               <a:rPr lang="en"/>
-              <a:t>Verified security policies for a simulated smart home	</a:t>
-            </a:r>
-          </a:p>
-          <a:p>
-            <a:pPr indent="-228600" lvl="0" marL="457200" rtl="0" algn="just">
+              <a:t>Trivial security solutions such as strong passwords [1]</a:t>
+            </a:r>
+          </a:p>
+          <a:p>
+            <a:pPr indent="-228600" lvl="0" marL="457200" rtl="0">
               <a:spcBef>
                 <a:spcPts val="0"/>
               </a:spcBef>
@@ -13059,11 +13119,11 @@
             </a:pPr>
             <a:r>
               <a:rPr lang="en"/>
-              <a:t>Designed and implemented a smart home simulation</a:t>
-            </a:r>
-          </a:p>
-          <a:p>
-            <a:pPr indent="-228600" lvl="0" marL="457200" rtl="0" algn="just">
+              <a:t>Dynamic policy enforcement [2] causing system to stop if attack happens</a:t>
+            </a:r>
+          </a:p>
+          <a:p>
+            <a:pPr indent="-228600" lvl="0" marL="457200" rtl="0">
               <a:spcBef>
                 <a:spcPts val="0"/>
               </a:spcBef>
@@ -13071,11 +13131,11 @@
             </a:pPr>
             <a:r>
               <a:rPr lang="en"/>
-              <a:t>Defined a business model to assign roles to different organizations</a:t>
-            </a:r>
-          </a:p>
-          <a:p>
-            <a:pPr indent="-228600" lvl="0" marL="457200" rtl="0" algn="just">
+              <a:t>Crowdsourcing based solutions to create awareness about attacks [3]</a:t>
+            </a:r>
+          </a:p>
+          <a:p>
+            <a:pPr indent="-228600" lvl="1" marL="914400" rtl="0">
               <a:spcBef>
                 <a:spcPts val="0"/>
               </a:spcBef>
@@ -13083,32 +13143,40 @@
             </a:pPr>
             <a:r>
               <a:rPr lang="en"/>
-              <a:t>Defined and specified several policies for a smart home </a:t>
-            </a:r>
-          </a:p>
-          <a:p>
-            <a:pPr indent="-228600" lvl="0" marL="457200" rtl="0" algn="just">
-              <a:spcBef>
-                <a:spcPts val="0"/>
-              </a:spcBef>
-              <a:buChar char="❏"/>
-            </a:pPr>
-            <a:r>
-              <a:rPr lang="en"/>
-              <a:t>Implemented a static analysis to detect violations of the policies at compile time</a:t>
-            </a:r>
-          </a:p>
-          <a:p>
-            <a:pPr indent="-228600" lvl="0" marL="457200" algn="just">
-              <a:spcBef>
-                <a:spcPts val="0"/>
-              </a:spcBef>
-              <a:buChar char="❏"/>
-            </a:pPr>
-            <a:r>
-              <a:rPr lang="en"/>
-              <a:t>Evaluated our system on several malicious controllers </a:t>
-            </a:r>
+              <a:t>Depends on the attacks published by individual organizations, no formal guarantee</a:t>
+            </a:r>
+          </a:p>
+          <a:p>
+            <a:pPr lvl="0" rtl="0">
+              <a:spcBef>
+                <a:spcPts val="0"/>
+              </a:spcBef>
+              <a:buNone/>
+            </a:pPr>
+            <a:r>
+              <a:rPr lang="en" sz="2800"/>
+              <a:t> </a:t>
+            </a:r>
+            <a:r>
+              <a:rPr lang="en" sz="2800">
+                <a:solidFill>
+                  <a:srgbClr val="000000"/>
+                </a:solidFill>
+              </a:rPr>
+              <a:t>References</a:t>
+            </a:r>
+          </a:p>
+          <a:p>
+            <a:pPr lvl="0">
+              <a:spcBef>
+                <a:spcPts val="0"/>
+              </a:spcBef>
+              <a:buNone/>
+            </a:pPr>
+            <a:r>
+              <a:t/>
+            </a:r>
+            <a:endParaRPr/>
           </a:p>
         </p:txBody>
       </p:sp>
@@ -13142,7 +13210,15 @@
               <a:buNone/>
             </a:pPr>
             <a:fld id="{00000000-1234-1234-1234-123412341234}" type="slidenum">
-              <a:rPr lang="en"/>
+              <a:rPr lang="en">
+                <a:solidFill>
+                  <a:schemeClr val="dk2"/>
+                </a:solidFill>
+                <a:latin typeface="Arial"/>
+                <a:ea typeface="Arial"/>
+                <a:cs typeface="Arial"/>
+                <a:sym typeface="Arial"/>
+              </a:rPr>
               <a:t>‹#›</a:t>
             </a:fld>
           </a:p>
@@ -13152,18 +13228,20 @@
         <p:nvSpPr>
           <p:cNvPr id="271" name="Shape 271"/>
           <p:cNvSpPr txBox="1"/>
-          <p:nvPr>
-            <p:ph idx="2" type="body"/>
-          </p:nvPr>
+          <p:nvPr/>
         </p:nvSpPr>
         <p:spPr>
           <a:xfrm>
-            <a:off x="4756200" y="1152475"/>
-            <a:ext cx="4188600" cy="3416400"/>
+            <a:off x="339350" y="3000925"/>
+            <a:ext cx="8619300" cy="1796700"/>
           </a:xfrm>
           <a:prstGeom prst="rect">
             <a:avLst/>
           </a:prstGeom>
+          <a:noFill/>
+          <a:ln>
+            <a:noFill/>
+          </a:ln>
         </p:spPr>
         <p:txBody>
           <a:bodyPr anchorCtr="0" anchor="t" bIns="91425" lIns="91425" rIns="91425" tIns="91425">
@@ -13171,39 +13249,84 @@
           </a:bodyPr>
           <a:lstStyle/>
           <a:p>
-            <a:pPr indent="-228600" lvl="0" marL="457200" rtl="0" algn="just">
-              <a:spcBef>
-                <a:spcPts val="0"/>
-              </a:spcBef>
-              <a:buChar char="❏"/>
-            </a:pPr>
-            <a:r>
-              <a:rPr lang="en"/>
-              <a:t>Extend the verification to handle more complex properties</a:t>
-            </a:r>
-          </a:p>
-          <a:p>
-            <a:pPr indent="-228600" lvl="0" marL="457200" rtl="0" algn="just">
-              <a:spcBef>
-                <a:spcPts val="0"/>
-              </a:spcBef>
-              <a:buChar char="❏"/>
-            </a:pPr>
-            <a:r>
-              <a:rPr lang="en"/>
-              <a:t>Verify other security and correctness policies</a:t>
-            </a:r>
-          </a:p>
-          <a:p>
-            <a:pPr indent="-228600" lvl="0" marL="457200" rtl="0" algn="just">
-              <a:spcBef>
-                <a:spcPts val="0"/>
-              </a:spcBef>
-              <a:buChar char="❏"/>
-            </a:pPr>
-            <a:r>
-              <a:rPr lang="en"/>
-              <a:t>Evaluate our system on a real smart home</a:t>
+            <a:pPr lvl="0" rtl="0">
+              <a:lnSpc>
+                <a:spcPct val="115000"/>
+              </a:lnSpc>
+              <a:spcBef>
+                <a:spcPts val="0"/>
+              </a:spcBef>
+              <a:spcAft>
+                <a:spcPts val="1600"/>
+              </a:spcAft>
+              <a:buClr>
+                <a:schemeClr val="dk1"/>
+              </a:buClr>
+              <a:buSzPct val="91666"/>
+              <a:buFont typeface="Arial"/>
+              <a:buNone/>
+            </a:pPr>
+            <a:r>
+              <a:rPr lang="en" sz="1200">
+                <a:solidFill>
+                  <a:schemeClr val="dk2"/>
+                </a:solidFill>
+              </a:rPr>
+              <a:t>[1] M. B. Barcena and C. Wueest. Insecurity in the internet of things. 2015</a:t>
+            </a:r>
+          </a:p>
+          <a:p>
+            <a:pPr lvl="0" rtl="0">
+              <a:lnSpc>
+                <a:spcPct val="115000"/>
+              </a:lnSpc>
+              <a:spcBef>
+                <a:spcPts val="0"/>
+              </a:spcBef>
+              <a:spcAft>
+                <a:spcPts val="1600"/>
+              </a:spcAft>
+              <a:buClr>
+                <a:schemeClr val="dk1"/>
+              </a:buClr>
+              <a:buSzPct val="91666"/>
+              <a:buFont typeface="Arial"/>
+              <a:buNone/>
+            </a:pPr>
+            <a:r>
+              <a:rPr lang="en" sz="1200">
+                <a:solidFill>
+                  <a:schemeClr val="dk2"/>
+                </a:solidFill>
+              </a:rPr>
+              <a:t>[2] J. Al-Muhtadi, M. Anand, M. D. Mickunas, and R. Campbell. Secure smart homes using jini and uiuc sesame. In Computer Security Applications, 2000. ACSAC’00. 16th Annual Conference, pages 77–85. IEEE, 2000</a:t>
+            </a:r>
+          </a:p>
+          <a:p>
+            <a:pPr lvl="0" rtl="0">
+              <a:lnSpc>
+                <a:spcPct val="115000"/>
+              </a:lnSpc>
+              <a:spcBef>
+                <a:spcPts val="0"/>
+              </a:spcBef>
+              <a:spcAft>
+                <a:spcPts val="1600"/>
+              </a:spcAft>
+              <a:buClr>
+                <a:schemeClr val="dk1"/>
+              </a:buClr>
+              <a:buSzPct val="91666"/>
+              <a:buFont typeface="Arial"/>
+              <a:buNone/>
+            </a:pPr>
+            <a:r>
+              <a:rPr lang="en" sz="1200">
+                <a:solidFill>
+                  <a:schemeClr val="dk2"/>
+                </a:solidFill>
+              </a:rPr>
+              <a:t>[3] T. Yu, V. Sekar, S. Seshan, Y. Agarwal, and C. Xu. Handling a trillion (unfixable) flaws on a billion de-vices: Rethinking network security for the internet-of-things. In Proceedings of the 14th ACM Workshop on Hot Topics in Networks, HotNets-XIV, pages 5:1–5:7, New York, NY, USA, 2015. ACM</a:t>
             </a:r>
           </a:p>
         </p:txBody>
@@ -13259,7 +13382,7 @@
           </a:bodyPr>
           <a:lstStyle/>
           <a:p>
-            <a:pPr lvl="0">
+            <a:pPr indent="457200" lvl="0">
               <a:spcBef>
                 <a:spcPts val="0"/>
               </a:spcBef>
@@ -13267,7 +13390,7 @@
             </a:pPr>
             <a:r>
               <a:rPr lang="en"/>
-              <a:t>Related work on security for smart homes</a:t>
+              <a:t>Conclusions 			    &amp; 		   Future work</a:t>
             </a:r>
           </a:p>
         </p:txBody>
@@ -13282,8 +13405,8 @@
         </p:nvSpPr>
         <p:spPr>
           <a:xfrm>
-            <a:off x="194400" y="1115175"/>
-            <a:ext cx="8637900" cy="3450600"/>
+            <a:off x="235500" y="1152475"/>
+            <a:ext cx="4366200" cy="3416400"/>
           </a:xfrm>
           <a:prstGeom prst="rect">
             <a:avLst/>
@@ -13295,7 +13418,19 @@
           </a:bodyPr>
           <a:lstStyle/>
           <a:p>
-            <a:pPr indent="-228600" lvl="0" marL="457200" rtl="0">
+            <a:pPr lvl="0" rtl="0" algn="just">
+              <a:spcBef>
+                <a:spcPts val="0"/>
+              </a:spcBef>
+              <a:buNone/>
+            </a:pPr>
+            <a:r>
+              <a:rPr lang="en"/>
+              <a:t>Verified security policies for a simulated smart home	</a:t>
+            </a:r>
+          </a:p>
+          <a:p>
+            <a:pPr indent="-228600" lvl="0" marL="457200" rtl="0" algn="just">
               <a:spcBef>
                 <a:spcPts val="0"/>
               </a:spcBef>
@@ -13303,23 +13438,11 @@
             </a:pPr>
             <a:r>
               <a:rPr lang="en"/>
-              <a:t>Trivial security solutions such as strong passwords [1]</a:t>
-            </a:r>
-          </a:p>
-          <a:p>
-            <a:pPr lvl="0" rtl="0">
-              <a:spcBef>
-                <a:spcPts val="0"/>
-              </a:spcBef>
-              <a:buNone/>
-            </a:pPr>
-            <a:r>
-              <a:t/>
-            </a:r>
-            <a:endParaRPr/>
-          </a:p>
-          <a:p>
-            <a:pPr indent="-228600" lvl="0" marL="457200" rtl="0">
+              <a:t>Designed and implemented a smart home simulation</a:t>
+            </a:r>
+          </a:p>
+          <a:p>
+            <a:pPr indent="-228600" lvl="0" marL="457200" rtl="0" algn="just">
               <a:spcBef>
                 <a:spcPts val="0"/>
               </a:spcBef>
@@ -13327,23 +13450,11 @@
             </a:pPr>
             <a:r>
               <a:rPr lang="en"/>
-              <a:t>Dynamic policy enforcement [2] causing system to stop if attack happens</a:t>
-            </a:r>
-          </a:p>
-          <a:p>
-            <a:pPr lvl="0" rtl="0">
-              <a:spcBef>
-                <a:spcPts val="0"/>
-              </a:spcBef>
-              <a:buNone/>
-            </a:pPr>
-            <a:r>
-              <a:t/>
-            </a:r>
-            <a:endParaRPr/>
-          </a:p>
-          <a:p>
-            <a:pPr indent="-228600" lvl="0" marL="457200" rtl="0">
+              <a:t>Defined a business model to assign roles to different organizations</a:t>
+            </a:r>
+          </a:p>
+          <a:p>
+            <a:pPr indent="-228600" lvl="0" marL="457200" rtl="0" algn="just">
               <a:spcBef>
                 <a:spcPts val="0"/>
               </a:spcBef>
@@ -13351,11 +13462,11 @@
             </a:pPr>
             <a:r>
               <a:rPr lang="en"/>
-              <a:t>Crowdsourcing based solutions to create awareness about attacks [3]</a:t>
-            </a:r>
-          </a:p>
-          <a:p>
-            <a:pPr indent="-228600" lvl="1" marL="914400" rtl="0">
+              <a:t>Defined and specified several policies for a smart home </a:t>
+            </a:r>
+          </a:p>
+          <a:p>
+            <a:pPr indent="-228600" lvl="0" marL="457200" rtl="0" algn="just">
               <a:spcBef>
                 <a:spcPts val="0"/>
               </a:spcBef>
@@ -13363,20 +13474,20 @@
             </a:pPr>
             <a:r>
               <a:rPr lang="en"/>
-              <a:t>Depends on the attacks published by individual organizations, no formal guarantee</a:t>
-            </a:r>
-          </a:p>
-          <a:p>
-            <a:pPr lvl="0">
-              <a:spcBef>
-                <a:spcPts val="0"/>
-              </a:spcBef>
-              <a:buNone/>
-            </a:pPr>
-            <a:r>
-              <a:t/>
-            </a:r>
-            <a:endParaRPr/>
+              <a:t>Implemented a static analysis to detect violations of the policies at compile time</a:t>
+            </a:r>
+          </a:p>
+          <a:p>
+            <a:pPr indent="-228600" lvl="0" marL="457200" algn="just">
+              <a:spcBef>
+                <a:spcPts val="0"/>
+              </a:spcBef>
+              <a:buChar char="❏"/>
+            </a:pPr>
+            <a:r>
+              <a:rPr lang="en"/>
+              <a:t>Evaluated our system on several malicious controllers </a:t>
+            </a:r>
           </a:p>
         </p:txBody>
       </p:sp>
@@ -13410,17 +13521,69 @@
               <a:buNone/>
             </a:pPr>
             <a:fld id="{00000000-1234-1234-1234-123412341234}" type="slidenum">
-              <a:rPr lang="en">
-                <a:solidFill>
-                  <a:schemeClr val="dk2"/>
-                </a:solidFill>
-                <a:latin typeface="Arial"/>
-                <a:ea typeface="Arial"/>
-                <a:cs typeface="Arial"/>
-                <a:sym typeface="Arial"/>
-              </a:rPr>
+              <a:rPr lang="en"/>
               <a:t>‹#›</a:t>
             </a:fld>
+          </a:p>
+        </p:txBody>
+      </p:sp>
+      <p:sp>
+        <p:nvSpPr>
+          <p:cNvPr id="279" name="Shape 279"/>
+          <p:cNvSpPr txBox="1"/>
+          <p:nvPr>
+            <p:ph idx="2" type="body"/>
+          </p:nvPr>
+        </p:nvSpPr>
+        <p:spPr>
+          <a:xfrm>
+            <a:off x="4756200" y="1152475"/>
+            <a:ext cx="4188600" cy="3416400"/>
+          </a:xfrm>
+          <a:prstGeom prst="rect">
+            <a:avLst/>
+          </a:prstGeom>
+        </p:spPr>
+        <p:txBody>
+          <a:bodyPr anchorCtr="0" anchor="t" bIns="91425" lIns="91425" rIns="91425" tIns="91425">
+            <a:noAutofit/>
+          </a:bodyPr>
+          <a:lstStyle/>
+          <a:p>
+            <a:pPr indent="-228600" lvl="0" marL="457200" rtl="0" algn="just">
+              <a:spcBef>
+                <a:spcPts val="0"/>
+              </a:spcBef>
+              <a:buChar char="❏"/>
+            </a:pPr>
+            <a:r>
+              <a:rPr lang="en"/>
+              <a:t>Extend the verification to handle more complex properties</a:t>
+            </a:r>
+          </a:p>
+          <a:p>
+            <a:pPr indent="-228600" lvl="0" marL="457200" rtl="0" algn="just">
+              <a:spcBef>
+                <a:spcPts val="0"/>
+              </a:spcBef>
+              <a:buChar char="❏"/>
+            </a:pPr>
+            <a:r>
+              <a:rPr lang="en"/>
+              <a:t>Verify other security and correctness policies</a:t>
+            </a:r>
+          </a:p>
+          <a:p>
+            <a:pPr indent="-228600" lvl="0" marL="457200" rtl="0" algn="just">
+              <a:spcBef>
+                <a:spcPts val="0"/>
+              </a:spcBef>
+              <a:buChar char="❏"/>
+            </a:pPr>
+            <a:r>
+              <a:rPr lang="en"/>
+              <a:t>Evaluate our system on a real smart home</a:t>
+            </a:r>
           </a:p>
         </p:txBody>
       </p:sp>
@@ -14034,7 +14197,7 @@
   <p:cSld>
     <p:spTree>
       <p:nvGrpSpPr>
-        <p:cNvPr id="282" name="Shape 282"/>
+        <p:cNvPr id="283" name="Shape 283"/>
         <p:cNvGrpSpPr/>
         <p:nvPr/>
       </p:nvGrpSpPr>
@@ -14048,7 +14211,7 @@
       </p:grpSpPr>
       <p:sp>
         <p:nvSpPr>
-          <p:cNvPr id="283" name="Shape 283"/>
+          <p:cNvPr id="284" name="Shape 284"/>
           <p:cNvSpPr txBox="1"/>
           <p:nvPr>
             <p:ph type="title"/>
@@ -14084,7 +14247,7 @@
       </p:sp>
       <p:sp>
         <p:nvSpPr>
-          <p:cNvPr id="284" name="Shape 284"/>
+          <p:cNvPr id="285" name="Shape 285"/>
           <p:cNvSpPr txBox="1"/>
           <p:nvPr>
             <p:ph idx="1" type="body"/>
@@ -16287,7 +16450,7 @@
       </p:sp>
       <p:sp>
         <p:nvSpPr>
-          <p:cNvPr id="285" name="Shape 285"/>
+          <p:cNvPr id="286" name="Shape 286"/>
           <p:cNvSpPr txBox="1"/>
           <p:nvPr>
             <p:ph idx="12" type="sldNum"/>
@@ -16337,7 +16500,7 @@
   <p:cSld>
     <p:spTree>
       <p:nvGrpSpPr>
-        <p:cNvPr id="289" name="Shape 289"/>
+        <p:cNvPr id="290" name="Shape 290"/>
         <p:cNvGrpSpPr/>
         <p:nvPr/>
       </p:nvGrpSpPr>
@@ -16351,7 +16514,7 @@
       </p:grpSpPr>
       <p:sp>
         <p:nvSpPr>
-          <p:cNvPr id="290" name="Shape 290"/>
+          <p:cNvPr id="291" name="Shape 291"/>
           <p:cNvSpPr txBox="1"/>
           <p:nvPr>
             <p:ph type="title"/>
@@ -16387,7 +16550,7 @@
       </p:sp>
       <p:sp>
         <p:nvSpPr>
-          <p:cNvPr id="291" name="Shape 291"/>
+          <p:cNvPr id="292" name="Shape 292"/>
           <p:cNvSpPr txBox="1"/>
           <p:nvPr>
             <p:ph idx="1" type="body"/>
@@ -16427,33 +16590,9 @@
               <a:buNone/>
             </a:pPr>
             <a:r>
-              <a:t/>
-            </a:r>
-            <a:endParaRPr sz="1400"/>
-          </a:p>
-          <a:p>
-            <a:pPr lvl="0" rtl="0">
-              <a:spcBef>
-                <a:spcPts val="0"/>
-              </a:spcBef>
-              <a:buNone/>
-            </a:pPr>
-            <a:r>
               <a:rPr lang="en" sz="1400"/>
               <a:t>[2] J. Al-Muhtadi, M. Anand, M. D. Mickunas, and R. Campbell. Secure smart homes using jini and uiuc sesame. In Computer Security Applications, 2000. ACSAC’00. 16th Annual Conference, pages 77–85. IEEE, 2000</a:t>
             </a:r>
-          </a:p>
-          <a:p>
-            <a:pPr lvl="0" rtl="0">
-              <a:spcBef>
-                <a:spcPts val="0"/>
-              </a:spcBef>
-              <a:buNone/>
-            </a:pPr>
-            <a:r>
-              <a:t/>
-            </a:r>
-            <a:endParaRPr sz="1400"/>
           </a:p>
           <a:p>
             <a:pPr lvl="0" rtl="0">
@@ -16483,7 +16622,7 @@
       </p:sp>
       <p:sp>
         <p:nvSpPr>
-          <p:cNvPr id="292" name="Shape 292"/>
+          <p:cNvPr id="293" name="Shape 293"/>
           <p:cNvSpPr txBox="1"/>
           <p:nvPr>
             <p:ph idx="12" type="sldNum"/>
@@ -19843,6 +19982,285 @@
 </file>
 
 <file path=ppt/theme/theme1.xml><?xml version="1.0" encoding="utf-8"?>
+<a:theme xmlns:a="http://schemas.openxmlformats.org/drawingml/2006/main" xmlns:r="http://schemas.openxmlformats.org/officeDocument/2006/relationships" name="Custom Theme">
+  <a:themeElements>
+    <a:clrScheme name="Default">
+      <a:dk1>
+        <a:srgbClr val="000000"/>
+      </a:dk1>
+      <a:lt1>
+        <a:srgbClr val="FFFFFF"/>
+      </a:lt1>
+      <a:dk2>
+        <a:srgbClr val="158158"/>
+      </a:dk2>
+      <a:lt2>
+        <a:srgbClr val="F3F3F3"/>
+      </a:lt2>
+      <a:accent1>
+        <a:srgbClr val="058DC7"/>
+      </a:accent1>
+      <a:accent2>
+        <a:srgbClr val="50B432"/>
+      </a:accent2>
+      <a:accent3>
+        <a:srgbClr val="ED561B"/>
+      </a:accent3>
+      <a:accent4>
+        <a:srgbClr val="EDEF00"/>
+      </a:accent4>
+      <a:accent5>
+        <a:srgbClr val="24CBE5"/>
+      </a:accent5>
+      <a:accent6>
+        <a:srgbClr val="64E572"/>
+      </a:accent6>
+      <a:hlink>
+        <a:srgbClr val="2200CC"/>
+      </a:hlink>
+      <a:folHlink>
+        <a:srgbClr val="551A8B"/>
+      </a:folHlink>
+    </a:clrScheme>
+    <a:fontScheme name="Office">
+      <a:majorFont>
+        <a:latin typeface="Arial"/>
+        <a:ea typeface=""/>
+        <a:cs typeface=""/>
+        <a:font script="Jpan" typeface="ＭＳ Ｐゴシック"/>
+        <a:font script="Hang" typeface="맑은 고딕"/>
+        <a:font script="Hans" typeface="宋体"/>
+        <a:font script="Hant" typeface="新細明體"/>
+        <a:font script="Arab" typeface="Times New Roman"/>
+        <a:font script="Hebr" typeface="Times New Roman"/>
+        <a:font script="Thai" typeface="Angsana New"/>
+        <a:font script="Ethi" typeface="Nyala"/>
+        <a:font script="Beng" typeface="Vrinda"/>
+        <a:font script="Gujr" typeface="Shruti"/>
+        <a:font script="Khmr" typeface="MoolBoran"/>
+        <a:font script="Knda" typeface="Tunga"/>
+        <a:font script="Guru" typeface="Raavi"/>
+        <a:font script="Cans" typeface="Euphemia"/>
+        <a:font script="Cher" typeface="Plantagenet Cherokee"/>
+        <a:font script="Yiii" typeface="Microsoft Yi Baiti"/>
+        <a:font script="Tibt" typeface="Microsoft Himalaya"/>
+        <a:font script="Thaa" typeface="MV Boli"/>
+        <a:font script="Deva" typeface="Mangal"/>
+        <a:font script="Telu" typeface="Gautami"/>
+        <a:font script="Taml" typeface="Latha"/>
+        <a:font script="Syrc" typeface="Estrangelo Edessa"/>
+        <a:font script="Orya" typeface="Kalinga"/>
+        <a:font script="Mlym" typeface="Kartika"/>
+        <a:font script="Laoo" typeface="DokChampa"/>
+        <a:font script="Sinh" typeface="Iskoola Pota"/>
+        <a:font script="Mong" typeface="Mongolian Baiti"/>
+        <a:font script="Viet" typeface="Times New Roman"/>
+        <a:font script="Uigh" typeface="Microsoft Uighur"/>
+        <a:font script="Geor" typeface="Sylfaen"/>
+      </a:majorFont>
+      <a:minorFont>
+        <a:latin typeface="Arial"/>
+        <a:ea typeface=""/>
+        <a:cs typeface=""/>
+        <a:font script="Jpan" typeface="ＭＳ Ｐゴシック"/>
+        <a:font script="Hang" typeface="맑은 고딕"/>
+        <a:font script="Hans" typeface="宋体"/>
+        <a:font script="Hant" typeface="新細明體"/>
+        <a:font script="Arab" typeface="Arial"/>
+        <a:font script="Hebr" typeface="Arial"/>
+        <a:font script="Thai" typeface="Cordia New"/>
+        <a:font script="Ethi" typeface="Nyala"/>
+        <a:font script="Beng" typeface="Vrinda"/>
+        <a:font script="Gujr" typeface="Shruti"/>
+        <a:font script="Khmr" typeface="DaunPenh"/>
+        <a:font script="Knda" typeface="Tunga"/>
+        <a:font script="Guru" typeface="Raavi"/>
+        <a:font script="Cans" typeface="Euphemia"/>
+        <a:font script="Cher" typeface="Plantagenet Cherokee"/>
+        <a:font script="Yiii" typeface="Microsoft Yi Baiti"/>
+        <a:font script="Tibt" typeface="Microsoft Himalaya"/>
+        <a:font script="Thaa" typeface="MV Boli"/>
+        <a:font script="Deva" typeface="Mangal"/>
+        <a:font script="Telu" typeface="Gautami"/>
+        <a:font script="Taml" typeface="Latha"/>
+        <a:font script="Syrc" typeface="Estrangelo Edessa"/>
+        <a:font script="Orya" typeface="Kalinga"/>
+        <a:font script="Mlym" typeface="Kartika"/>
+        <a:font script="Laoo" typeface="DokChampa"/>
+        <a:font script="Sinh" typeface="Iskoola Pota"/>
+        <a:font script="Mong" typeface="Mongolian Baiti"/>
+        <a:font script="Viet" typeface="Arial"/>
+        <a:font script="Uigh" typeface="Microsoft Uighur"/>
+        <a:font script="Geor" typeface="Sylfaen"/>
+      </a:minorFont>
+    </a:fontScheme>
+    <a:fmtScheme name="Office">
+      <a:fillStyleLst>
+        <a:solidFill>
+          <a:schemeClr val="phClr"/>
+        </a:solidFill>
+        <a:gradFill rotWithShape="1">
+          <a:gsLst>
+            <a:gs pos="0">
+              <a:schemeClr val="phClr">
+                <a:tint val="50000"/>
+                <a:satMod val="300000"/>
+              </a:schemeClr>
+            </a:gs>
+            <a:gs pos="35000">
+              <a:schemeClr val="phClr">
+                <a:tint val="37000"/>
+                <a:satMod val="300000"/>
+              </a:schemeClr>
+            </a:gs>
+            <a:gs pos="100000">
+              <a:schemeClr val="phClr">
+                <a:tint val="15000"/>
+                <a:satMod val="350000"/>
+              </a:schemeClr>
+            </a:gs>
+          </a:gsLst>
+          <a:lin ang="16200000" scaled="1"/>
+        </a:gradFill>
+        <a:gradFill rotWithShape="1">
+          <a:gsLst>
+            <a:gs pos="0">
+              <a:schemeClr val="phClr">
+                <a:tint val="100000"/>
+                <a:shade val="100000"/>
+                <a:satMod val="130000"/>
+              </a:schemeClr>
+            </a:gs>
+            <a:gs pos="100000">
+              <a:schemeClr val="phClr">
+                <a:tint val="50000"/>
+                <a:shade val="100000"/>
+                <a:satMod val="350000"/>
+              </a:schemeClr>
+            </a:gs>
+          </a:gsLst>
+          <a:lin ang="16200000" scaled="0"/>
+        </a:gradFill>
+      </a:fillStyleLst>
+      <a:lnStyleLst>
+        <a:ln w="9525" cap="flat" cmpd="sng" algn="ctr">
+          <a:solidFill>
+            <a:schemeClr val="phClr">
+              <a:shade val="95000"/>
+              <a:satMod val="105000"/>
+            </a:schemeClr>
+          </a:solidFill>
+          <a:prstDash val="solid"/>
+        </a:ln>
+        <a:ln w="25400" cap="flat" cmpd="sng" algn="ctr">
+          <a:solidFill>
+            <a:schemeClr val="phClr"/>
+          </a:solidFill>
+          <a:prstDash val="solid"/>
+        </a:ln>
+        <a:ln w="38100" cap="flat" cmpd="sng" algn="ctr">
+          <a:solidFill>
+            <a:schemeClr val="phClr"/>
+          </a:solidFill>
+          <a:prstDash val="solid"/>
+        </a:ln>
+      </a:lnStyleLst>
+      <a:effectStyleLst>
+        <a:effectStyle>
+          <a:effectLst>
+            <a:outerShdw blurRad="40000" dist="20000" dir="5400000" rotWithShape="0">
+              <a:srgbClr val="000000">
+                <a:alpha val="38000"/>
+              </a:srgbClr>
+            </a:outerShdw>
+          </a:effectLst>
+        </a:effectStyle>
+        <a:effectStyle>
+          <a:effectLst>
+            <a:outerShdw blurRad="40000" dist="23000" dir="5400000" rotWithShape="0">
+              <a:srgbClr val="000000">
+                <a:alpha val="35000"/>
+              </a:srgbClr>
+            </a:outerShdw>
+          </a:effectLst>
+        </a:effectStyle>
+        <a:effectStyle>
+          <a:effectLst>
+            <a:outerShdw blurRad="40000" dist="23000" dir="5400000" rotWithShape="0">
+              <a:srgbClr val="000000">
+                <a:alpha val="35000"/>
+              </a:srgbClr>
+            </a:outerShdw>
+          </a:effectLst>
+          <a:scene3d>
+            <a:camera prst="orthographicFront">
+              <a:rot lat="0" lon="0" rev="0"/>
+            </a:camera>
+            <a:lightRig rig="threePt" dir="t">
+              <a:rot lat="0" lon="0" rev="1200000"/>
+            </a:lightRig>
+          </a:scene3d>
+          <a:sp3d>
+            <a:bevelT w="63500" h="25400"/>
+          </a:sp3d>
+        </a:effectStyle>
+      </a:effectStyleLst>
+      <a:bgFillStyleLst>
+        <a:solidFill>
+          <a:schemeClr val="phClr"/>
+        </a:solidFill>
+        <a:gradFill rotWithShape="1">
+          <a:gsLst>
+            <a:gs pos="0">
+              <a:schemeClr val="phClr">
+                <a:tint val="40000"/>
+                <a:satMod val="350000"/>
+              </a:schemeClr>
+            </a:gs>
+            <a:gs pos="40000">
+              <a:schemeClr val="phClr">
+                <a:tint val="45000"/>
+                <a:shade val="99000"/>
+                <a:satMod val="350000"/>
+              </a:schemeClr>
+            </a:gs>
+            <a:gs pos="100000">
+              <a:schemeClr val="phClr">
+                <a:shade val="20000"/>
+                <a:satMod val="255000"/>
+              </a:schemeClr>
+            </a:gs>
+          </a:gsLst>
+          <a:path path="circle">
+            <a:fillToRect l="50000" t="-80000" r="50000" b="180000"/>
+          </a:path>
+        </a:gradFill>
+        <a:gradFill rotWithShape="1">
+          <a:gsLst>
+            <a:gs pos="0">
+              <a:schemeClr val="phClr">
+                <a:tint val="80000"/>
+                <a:satMod val="300000"/>
+              </a:schemeClr>
+            </a:gs>
+            <a:gs pos="100000">
+              <a:schemeClr val="phClr">
+                <a:shade val="30000"/>
+                <a:satMod val="200000"/>
+              </a:schemeClr>
+            </a:gs>
+          </a:gsLst>
+          <a:path path="circle">
+            <a:fillToRect l="50000" t="50000" r="50000" b="50000"/>
+          </a:path>
+        </a:gradFill>
+      </a:bgFillStyleLst>
+    </a:fmtScheme>
+  </a:themeElements>
+</a:theme>
+</file>
+
+<file path=ppt/theme/theme2.xml><?xml version="1.0" encoding="utf-8"?>
 <a:theme xmlns:a="http://schemas.openxmlformats.org/drawingml/2006/main" xmlns:r="http://schemas.openxmlformats.org/officeDocument/2006/relationships" name="simple-light-2">
   <a:themeElements>
     <a:clrScheme name="Simple Light">
@@ -20119,283 +20537,4 @@
     </a:fmtScheme>
   </a:themeElements>
 </a:theme>
-</file>
-
-<file path=ppt/theme/theme2.xml><?xml version="1.0" encoding="utf-8"?>
-<a:theme xmlns:a="http://schemas.openxmlformats.org/drawingml/2006/main" xmlns:r="http://schemas.openxmlformats.org/officeDocument/2006/relationships" name="Custom Theme">
-  <a:themeElements>
-    <a:clrScheme name="Default">
-      <a:dk1>
-        <a:srgbClr val="000000"/>
-      </a:dk1>
-      <a:lt1>
-        <a:srgbClr val="FFFFFF"/>
-      </a:lt1>
-      <a:dk2>
-        <a:srgbClr val="158158"/>
-      </a:dk2>
-      <a:lt2>
-        <a:srgbClr val="F3F3F3"/>
-      </a:lt2>
-      <a:accent1>
-        <a:srgbClr val="058DC7"/>
-      </a:accent1>
-      <a:accent2>
-        <a:srgbClr val="50B432"/>
-      </a:accent2>
-      <a:accent3>
-        <a:srgbClr val="ED561B"/>
-      </a:accent3>
-      <a:accent4>
-        <a:srgbClr val="EDEF00"/>
-      </a:accent4>
-      <a:accent5>
-        <a:srgbClr val="24CBE5"/>
-      </a:accent5>
-      <a:accent6>
-        <a:srgbClr val="64E572"/>
-      </a:accent6>
-      <a:hlink>
-        <a:srgbClr val="2200CC"/>
-      </a:hlink>
-      <a:folHlink>
-        <a:srgbClr val="551A8B"/>
-      </a:folHlink>
-    </a:clrScheme>
-    <a:fontScheme name="Office">
-      <a:majorFont>
-        <a:latin typeface="Arial"/>
-        <a:ea typeface=""/>
-        <a:cs typeface=""/>
-        <a:font script="Jpan" typeface="ＭＳ Ｐゴシック"/>
-        <a:font script="Hang" typeface="맑은 고딕"/>
-        <a:font script="Hans" typeface="宋体"/>
-        <a:font script="Hant" typeface="新細明體"/>
-        <a:font script="Arab" typeface="Times New Roman"/>
-        <a:font script="Hebr" typeface="Times New Roman"/>
-        <a:font script="Thai" typeface="Angsana New"/>
-        <a:font script="Ethi" typeface="Nyala"/>
-        <a:font script="Beng" typeface="Vrinda"/>
-        <a:font script="Gujr" typeface="Shruti"/>
-        <a:font script="Khmr" typeface="MoolBoran"/>
-        <a:font script="Knda" typeface="Tunga"/>
-        <a:font script="Guru" typeface="Raavi"/>
-        <a:font script="Cans" typeface="Euphemia"/>
-        <a:font script="Cher" typeface="Plantagenet Cherokee"/>
-        <a:font script="Yiii" typeface="Microsoft Yi Baiti"/>
-        <a:font script="Tibt" typeface="Microsoft Himalaya"/>
-        <a:font script="Thaa" typeface="MV Boli"/>
-        <a:font script="Deva" typeface="Mangal"/>
-        <a:font script="Telu" typeface="Gautami"/>
-        <a:font script="Taml" typeface="Latha"/>
-        <a:font script="Syrc" typeface="Estrangelo Edessa"/>
-        <a:font script="Orya" typeface="Kalinga"/>
-        <a:font script="Mlym" typeface="Kartika"/>
-        <a:font script="Laoo" typeface="DokChampa"/>
-        <a:font script="Sinh" typeface="Iskoola Pota"/>
-        <a:font script="Mong" typeface="Mongolian Baiti"/>
-        <a:font script="Viet" typeface="Times New Roman"/>
-        <a:font script="Uigh" typeface="Microsoft Uighur"/>
-        <a:font script="Geor" typeface="Sylfaen"/>
-      </a:majorFont>
-      <a:minorFont>
-        <a:latin typeface="Arial"/>
-        <a:ea typeface=""/>
-        <a:cs typeface=""/>
-        <a:font script="Jpan" typeface="ＭＳ Ｐゴシック"/>
-        <a:font script="Hang" typeface="맑은 고딕"/>
-        <a:font script="Hans" typeface="宋体"/>
-        <a:font script="Hant" typeface="新細明體"/>
-        <a:font script="Arab" typeface="Arial"/>
-        <a:font script="Hebr" typeface="Arial"/>
-        <a:font script="Thai" typeface="Cordia New"/>
-        <a:font script="Ethi" typeface="Nyala"/>
-        <a:font script="Beng" typeface="Vrinda"/>
-        <a:font script="Gujr" typeface="Shruti"/>
-        <a:font script="Khmr" typeface="DaunPenh"/>
-        <a:font script="Knda" typeface="Tunga"/>
-        <a:font script="Guru" typeface="Raavi"/>
-        <a:font script="Cans" typeface="Euphemia"/>
-        <a:font script="Cher" typeface="Plantagenet Cherokee"/>
-        <a:font script="Yiii" typeface="Microsoft Yi Baiti"/>
-        <a:font script="Tibt" typeface="Microsoft Himalaya"/>
-        <a:font script="Thaa" typeface="MV Boli"/>
-        <a:font script="Deva" typeface="Mangal"/>
-        <a:font script="Telu" typeface="Gautami"/>
-        <a:font script="Taml" typeface="Latha"/>
-        <a:font script="Syrc" typeface="Estrangelo Edessa"/>
-        <a:font script="Orya" typeface="Kalinga"/>
-        <a:font script="Mlym" typeface="Kartika"/>
-        <a:font script="Laoo" typeface="DokChampa"/>
-        <a:font script="Sinh" typeface="Iskoola Pota"/>
-        <a:font script="Mong" typeface="Mongolian Baiti"/>
-        <a:font script="Viet" typeface="Arial"/>
-        <a:font script="Uigh" typeface="Microsoft Uighur"/>
-        <a:font script="Geor" typeface="Sylfaen"/>
-      </a:minorFont>
-    </a:fontScheme>
-    <a:fmtScheme name="Office">
-      <a:fillStyleLst>
-        <a:solidFill>
-          <a:schemeClr val="phClr"/>
-        </a:solidFill>
-        <a:gradFill rotWithShape="1">
-          <a:gsLst>
-            <a:gs pos="0">
-              <a:schemeClr val="phClr">
-                <a:tint val="50000"/>
-                <a:satMod val="300000"/>
-              </a:schemeClr>
-            </a:gs>
-            <a:gs pos="35000">
-              <a:schemeClr val="phClr">
-                <a:tint val="37000"/>
-                <a:satMod val="300000"/>
-              </a:schemeClr>
-            </a:gs>
-            <a:gs pos="100000">
-              <a:schemeClr val="phClr">
-                <a:tint val="15000"/>
-                <a:satMod val="350000"/>
-              </a:schemeClr>
-            </a:gs>
-          </a:gsLst>
-          <a:lin ang="16200000" scaled="1"/>
-        </a:gradFill>
-        <a:gradFill rotWithShape="1">
-          <a:gsLst>
-            <a:gs pos="0">
-              <a:schemeClr val="phClr">
-                <a:tint val="100000"/>
-                <a:shade val="100000"/>
-                <a:satMod val="130000"/>
-              </a:schemeClr>
-            </a:gs>
-            <a:gs pos="100000">
-              <a:schemeClr val="phClr">
-                <a:tint val="50000"/>
-                <a:shade val="100000"/>
-                <a:satMod val="350000"/>
-              </a:schemeClr>
-            </a:gs>
-          </a:gsLst>
-          <a:lin ang="16200000" scaled="0"/>
-        </a:gradFill>
-      </a:fillStyleLst>
-      <a:lnStyleLst>
-        <a:ln w="9525" cap="flat" cmpd="sng" algn="ctr">
-          <a:solidFill>
-            <a:schemeClr val="phClr">
-              <a:shade val="95000"/>
-              <a:satMod val="105000"/>
-            </a:schemeClr>
-          </a:solidFill>
-          <a:prstDash val="solid"/>
-        </a:ln>
-        <a:ln w="25400" cap="flat" cmpd="sng" algn="ctr">
-          <a:solidFill>
-            <a:schemeClr val="phClr"/>
-          </a:solidFill>
-          <a:prstDash val="solid"/>
-        </a:ln>
-        <a:ln w="38100" cap="flat" cmpd="sng" algn="ctr">
-          <a:solidFill>
-            <a:schemeClr val="phClr"/>
-          </a:solidFill>
-          <a:prstDash val="solid"/>
-        </a:ln>
-      </a:lnStyleLst>
-      <a:effectStyleLst>
-        <a:effectStyle>
-          <a:effectLst>
-            <a:outerShdw blurRad="40000" dist="20000" dir="5400000" rotWithShape="0">
-              <a:srgbClr val="000000">
-                <a:alpha val="38000"/>
-              </a:srgbClr>
-            </a:outerShdw>
-          </a:effectLst>
-        </a:effectStyle>
-        <a:effectStyle>
-          <a:effectLst>
-            <a:outerShdw blurRad="40000" dist="23000" dir="5400000" rotWithShape="0">
-              <a:srgbClr val="000000">
-                <a:alpha val="35000"/>
-              </a:srgbClr>
-            </a:outerShdw>
-          </a:effectLst>
-        </a:effectStyle>
-        <a:effectStyle>
-          <a:effectLst>
-            <a:outerShdw blurRad="40000" dist="23000" dir="5400000" rotWithShape="0">
-              <a:srgbClr val="000000">
-                <a:alpha val="35000"/>
-              </a:srgbClr>
-            </a:outerShdw>
-          </a:effectLst>
-          <a:scene3d>
-            <a:camera prst="orthographicFront">
-              <a:rot lat="0" lon="0" rev="0"/>
-            </a:camera>
-            <a:lightRig rig="threePt" dir="t">
-              <a:rot lat="0" lon="0" rev="1200000"/>
-            </a:lightRig>
-          </a:scene3d>
-          <a:sp3d>
-            <a:bevelT w="63500" h="25400"/>
-          </a:sp3d>
-        </a:effectStyle>
-      </a:effectStyleLst>
-      <a:bgFillStyleLst>
-        <a:solidFill>
-          <a:schemeClr val="phClr"/>
-        </a:solidFill>
-        <a:gradFill rotWithShape="1">
-          <a:gsLst>
-            <a:gs pos="0">
-              <a:schemeClr val="phClr">
-                <a:tint val="40000"/>
-                <a:satMod val="350000"/>
-              </a:schemeClr>
-            </a:gs>
-            <a:gs pos="40000">
-              <a:schemeClr val="phClr">
-                <a:tint val="45000"/>
-                <a:shade val="99000"/>
-                <a:satMod val="350000"/>
-              </a:schemeClr>
-            </a:gs>
-            <a:gs pos="100000">
-              <a:schemeClr val="phClr">
-                <a:shade val="20000"/>
-                <a:satMod val="255000"/>
-              </a:schemeClr>
-            </a:gs>
-          </a:gsLst>
-          <a:path path="circle">
-            <a:fillToRect l="50000" t="-80000" r="50000" b="180000"/>
-          </a:path>
-        </a:gradFill>
-        <a:gradFill rotWithShape="1">
-          <a:gsLst>
-            <a:gs pos="0">
-              <a:schemeClr val="phClr">
-                <a:tint val="80000"/>
-                <a:satMod val="300000"/>
-              </a:schemeClr>
-            </a:gs>
-            <a:gs pos="100000">
-              <a:schemeClr val="phClr">
-                <a:shade val="30000"/>
-                <a:satMod val="200000"/>
-              </a:schemeClr>
-            </a:gs>
-          </a:gsLst>
-          <a:path path="circle">
-            <a:fillToRect l="50000" t="50000" r="50000" b="50000"/>
-          </a:path>
-        </a:gradFill>
-      </a:bgFillStyleLst>
-    </a:fmtScheme>
-  </a:themeElements>
-</a:theme>
 </file>